--- a/SecurityAutomationTemplate.pptx
+++ b/SecurityAutomationTemplate.pptx
@@ -5,10 +5,11 @@
     <p:sldMasterId id="2147483648" r:id="rId1"/>
   </p:sldMasterIdLst>
   <p:notesMasterIdLst>
-    <p:notesMasterId r:id="rId3"/>
+    <p:notesMasterId r:id="rId4"/>
   </p:notesMasterIdLst>
   <p:sldIdLst>
     <p:sldId id="256" r:id="rId2"/>
+    <p:sldId id="257" r:id="rId3"/>
   </p:sldIdLst>
   <p:sldSz cx="12192000" cy="6858000"/>
   <p:notesSz cx="6858000" cy="9144000"/>
@@ -107,6 +108,11 @@
       </a:defRPr>
     </a:lvl9pPr>
   </p:defaultTextStyle>
+  <p:extLst>
+    <p:ext uri="{EFAFB233-063F-42B5-8137-9DF3F51BA10A}">
+      <p15:sldGuideLst xmlns:p15="http://schemas.microsoft.com/office/powerpoint/2012/main"/>
+    </p:ext>
+  </p:extLst>
 </p:presentation>
 </file>
 
@@ -4124,6 +4130,183 @@
     <p:extLst>
       <p:ext uri="{BB962C8B-B14F-4D97-AF65-F5344CB8AC3E}">
         <p14:creationId xmlns:p14="http://schemas.microsoft.com/office/powerpoint/2010/main" val="2286064076"/>
+      </p:ext>
+    </p:extLst>
+  </p:cSld>
+  <p:clrMapOvr>
+    <a:masterClrMapping/>
+  </p:clrMapOvr>
+</p:sld>
+</file>
+
+<file path=ppt/slides/slide2.xml><?xml version="1.0" encoding="utf-8"?>
+<p:sld xmlns:a="http://schemas.openxmlformats.org/drawingml/2006/main" xmlns:r="http://schemas.openxmlformats.org/officeDocument/2006/relationships" xmlns:p="http://schemas.openxmlformats.org/presentationml/2006/main">
+  <p:cSld>
+    <p:spTree>
+      <p:nvGrpSpPr>
+        <p:cNvPr id="1" name=""/>
+        <p:cNvGrpSpPr/>
+        <p:nvPr/>
+      </p:nvGrpSpPr>
+      <p:grpSpPr>
+        <a:xfrm>
+          <a:off x="0" y="0"/>
+          <a:ext cx="0" cy="0"/>
+          <a:chOff x="0" y="0"/>
+          <a:chExt cx="0" cy="0"/>
+        </a:xfrm>
+      </p:grpSpPr>
+      <p:sp>
+        <p:nvSpPr>
+          <p:cNvPr id="5" name="Rectangle 4">
+            <a:extLst>
+              <a:ext uri="{FF2B5EF4-FFF2-40B4-BE49-F238E27FC236}">
+                <a16:creationId xmlns:a16="http://schemas.microsoft.com/office/drawing/2014/main" id="{225AA12A-1E98-4292-A4CF-248D72A912AA}"/>
+              </a:ext>
+            </a:extLst>
+          </p:cNvPr>
+          <p:cNvSpPr/>
+          <p:nvPr/>
+        </p:nvSpPr>
+        <p:spPr>
+          <a:xfrm>
+            <a:off x="494522" y="886408"/>
+            <a:ext cx="11019454" cy="1156996"/>
+          </a:xfrm>
+          <a:prstGeom prst="rect">
+            <a:avLst/>
+          </a:prstGeom>
+        </p:spPr>
+        <p:style>
+          <a:lnRef idx="2">
+            <a:schemeClr val="accent1">
+              <a:shade val="50000"/>
+            </a:schemeClr>
+          </a:lnRef>
+          <a:fillRef idx="1">
+            <a:schemeClr val="accent1"/>
+          </a:fillRef>
+          <a:effectRef idx="0">
+            <a:schemeClr val="accent1"/>
+          </a:effectRef>
+          <a:fontRef idx="minor">
+            <a:schemeClr val="lt1"/>
+          </a:fontRef>
+        </p:style>
+        <p:txBody>
+          <a:bodyPr rtlCol="0" anchor="ctr"/>
+          <a:lstStyle/>
+          <a:p>
+            <a:pPr algn="ctr"/>
+            <a:r>
+              <a:rPr lang="en-US" dirty="0"/>
+              <a:t>Enrich – Get a geolocation, check against Virus Total or URL/IP reputation, Look up other fields of data on entity, is that user in a sales role who travels ?</a:t>
+            </a:r>
+          </a:p>
+        </p:txBody>
+      </p:sp>
+      <p:sp>
+        <p:nvSpPr>
+          <p:cNvPr id="7" name="Rectangle 6">
+            <a:extLst>
+              <a:ext uri="{FF2B5EF4-FFF2-40B4-BE49-F238E27FC236}">
+                <a16:creationId xmlns:a16="http://schemas.microsoft.com/office/drawing/2014/main" id="{984CAEAF-0E02-4157-84E9-CCCC8E740EF0}"/>
+              </a:ext>
+            </a:extLst>
+          </p:cNvPr>
+          <p:cNvSpPr/>
+          <p:nvPr/>
+        </p:nvSpPr>
+        <p:spPr>
+          <a:xfrm>
+            <a:off x="494522" y="2850502"/>
+            <a:ext cx="11019454" cy="1156996"/>
+          </a:xfrm>
+          <a:prstGeom prst="rect">
+            <a:avLst/>
+          </a:prstGeom>
+        </p:spPr>
+        <p:style>
+          <a:lnRef idx="2">
+            <a:schemeClr val="accent1">
+              <a:shade val="50000"/>
+            </a:schemeClr>
+          </a:lnRef>
+          <a:fillRef idx="1">
+            <a:schemeClr val="accent1"/>
+          </a:fillRef>
+          <a:effectRef idx="0">
+            <a:schemeClr val="accent1"/>
+          </a:effectRef>
+          <a:fontRef idx="minor">
+            <a:schemeClr val="lt1"/>
+          </a:fontRef>
+        </p:style>
+        <p:txBody>
+          <a:bodyPr rtlCol="0" anchor="ctr"/>
+          <a:lstStyle/>
+          <a:p>
+            <a:pPr algn="ctr"/>
+            <a:r>
+              <a:rPr lang="en-US" dirty="0"/>
+              <a:t>Respond – Isolate a VM, Revoke Access, Update a FW</a:t>
+            </a:r>
+          </a:p>
+        </p:txBody>
+      </p:sp>
+      <p:sp>
+        <p:nvSpPr>
+          <p:cNvPr id="9" name="Rectangle 8">
+            <a:extLst>
+              <a:ext uri="{FF2B5EF4-FFF2-40B4-BE49-F238E27FC236}">
+                <a16:creationId xmlns:a16="http://schemas.microsoft.com/office/drawing/2014/main" id="{73BB336B-DB3A-4CE1-BE3C-9BBCE31253B8}"/>
+              </a:ext>
+            </a:extLst>
+          </p:cNvPr>
+          <p:cNvSpPr/>
+          <p:nvPr/>
+        </p:nvSpPr>
+        <p:spPr>
+          <a:xfrm>
+            <a:off x="494522" y="5008198"/>
+            <a:ext cx="11019454" cy="1156996"/>
+          </a:xfrm>
+          <a:prstGeom prst="rect">
+            <a:avLst/>
+          </a:prstGeom>
+        </p:spPr>
+        <p:style>
+          <a:lnRef idx="2">
+            <a:schemeClr val="accent1">
+              <a:shade val="50000"/>
+            </a:schemeClr>
+          </a:lnRef>
+          <a:fillRef idx="1">
+            <a:schemeClr val="accent1"/>
+          </a:fillRef>
+          <a:effectRef idx="0">
+            <a:schemeClr val="accent1"/>
+          </a:effectRef>
+          <a:fontRef idx="minor">
+            <a:schemeClr val="lt1"/>
+          </a:fontRef>
+        </p:style>
+        <p:txBody>
+          <a:bodyPr rtlCol="0" anchor="ctr"/>
+          <a:lstStyle/>
+          <a:p>
+            <a:pPr algn="ctr"/>
+            <a:r>
+              <a:rPr lang="en-US" dirty="0"/>
+              <a:t>Orchestrate – Create a ticket, send notification , send a txt message, email a manager</a:t>
+            </a:r>
+          </a:p>
+        </p:txBody>
+      </p:sp>
+    </p:spTree>
+    <p:extLst>
+      <p:ext uri="{BB962C8B-B14F-4D97-AF65-F5344CB8AC3E}">
+        <p14:creationId xmlns:p14="http://schemas.microsoft.com/office/powerpoint/2010/main" val="710440609"/>
       </p:ext>
     </p:extLst>
   </p:cSld>

--- a/SecurityAutomationTemplate.pptx
+++ b/SecurityAutomationTemplate.pptx
@@ -198,7 +198,7 @@
           <a:p>
             <a:fld id="{CF5B3CBD-DECC-4242-A0F7-0E1750AB48F1}" type="datetimeFigureOut">
               <a:rPr lang="en-US" smtClean="0"/>
-              <a:t>9/3/2020</a:t>
+              <a:t>12/12/2023</a:t>
             </a:fld>
             <a:endParaRPr lang="en-US"/>
           </a:p>
@@ -699,7 +699,7 @@
           <a:p>
             <a:fld id="{7DC90DE4-B29A-43BE-850C-FA51CC2C2DBA}" type="datetimeFigureOut">
               <a:rPr lang="en-US" smtClean="0"/>
-              <a:t>9/3/2020</a:t>
+              <a:t>12/12/2023</a:t>
             </a:fld>
             <a:endParaRPr lang="en-US"/>
           </a:p>
@@ -897,7 +897,7 @@
           <a:p>
             <a:fld id="{7DC90DE4-B29A-43BE-850C-FA51CC2C2DBA}" type="datetimeFigureOut">
               <a:rPr lang="en-US" smtClean="0"/>
-              <a:t>9/3/2020</a:t>
+              <a:t>12/12/2023</a:t>
             </a:fld>
             <a:endParaRPr lang="en-US"/>
           </a:p>
@@ -1105,7 +1105,7 @@
           <a:p>
             <a:fld id="{7DC90DE4-B29A-43BE-850C-FA51CC2C2DBA}" type="datetimeFigureOut">
               <a:rPr lang="en-US" smtClean="0"/>
-              <a:t>9/3/2020</a:t>
+              <a:t>12/12/2023</a:t>
             </a:fld>
             <a:endParaRPr lang="en-US"/>
           </a:p>
@@ -1303,7 +1303,7 @@
           <a:p>
             <a:fld id="{7DC90DE4-B29A-43BE-850C-FA51CC2C2DBA}" type="datetimeFigureOut">
               <a:rPr lang="en-US" smtClean="0"/>
-              <a:t>9/3/2020</a:t>
+              <a:t>12/12/2023</a:t>
             </a:fld>
             <a:endParaRPr lang="en-US"/>
           </a:p>
@@ -1578,7 +1578,7 @@
           <a:p>
             <a:fld id="{7DC90DE4-B29A-43BE-850C-FA51CC2C2DBA}" type="datetimeFigureOut">
               <a:rPr lang="en-US" smtClean="0"/>
-              <a:t>9/3/2020</a:t>
+              <a:t>12/12/2023</a:t>
             </a:fld>
             <a:endParaRPr lang="en-US"/>
           </a:p>
@@ -1843,7 +1843,7 @@
           <a:p>
             <a:fld id="{7DC90DE4-B29A-43BE-850C-FA51CC2C2DBA}" type="datetimeFigureOut">
               <a:rPr lang="en-US" smtClean="0"/>
-              <a:t>9/3/2020</a:t>
+              <a:t>12/12/2023</a:t>
             </a:fld>
             <a:endParaRPr lang="en-US"/>
           </a:p>
@@ -2255,7 +2255,7 @@
           <a:p>
             <a:fld id="{7DC90DE4-B29A-43BE-850C-FA51CC2C2DBA}" type="datetimeFigureOut">
               <a:rPr lang="en-US" smtClean="0"/>
-              <a:t>9/3/2020</a:t>
+              <a:t>12/12/2023</a:t>
             </a:fld>
             <a:endParaRPr lang="en-US"/>
           </a:p>
@@ -2396,7 +2396,7 @@
           <a:p>
             <a:fld id="{7DC90DE4-B29A-43BE-850C-FA51CC2C2DBA}" type="datetimeFigureOut">
               <a:rPr lang="en-US" smtClean="0"/>
-              <a:t>9/3/2020</a:t>
+              <a:t>12/12/2023</a:t>
             </a:fld>
             <a:endParaRPr lang="en-US"/>
           </a:p>
@@ -2509,7 +2509,7 @@
           <a:p>
             <a:fld id="{7DC90DE4-B29A-43BE-850C-FA51CC2C2DBA}" type="datetimeFigureOut">
               <a:rPr lang="en-US" smtClean="0"/>
-              <a:t>9/3/2020</a:t>
+              <a:t>12/12/2023</a:t>
             </a:fld>
             <a:endParaRPr lang="en-US"/>
           </a:p>
@@ -2820,7 +2820,7 @@
           <a:p>
             <a:fld id="{7DC90DE4-B29A-43BE-850C-FA51CC2C2DBA}" type="datetimeFigureOut">
               <a:rPr lang="en-US" smtClean="0"/>
-              <a:t>9/3/2020</a:t>
+              <a:t>12/12/2023</a:t>
             </a:fld>
             <a:endParaRPr lang="en-US"/>
           </a:p>
@@ -3108,7 +3108,7 @@
           <a:p>
             <a:fld id="{7DC90DE4-B29A-43BE-850C-FA51CC2C2DBA}" type="datetimeFigureOut">
               <a:rPr lang="en-US" smtClean="0"/>
-              <a:t>9/3/2020</a:t>
+              <a:t>12/12/2023</a:t>
             </a:fld>
             <a:endParaRPr lang="en-US"/>
           </a:p>
@@ -3349,7 +3349,7 @@
           <a:p>
             <a:fld id="{7DC90DE4-B29A-43BE-850C-FA51CC2C2DBA}" type="datetimeFigureOut">
               <a:rPr lang="en-US" smtClean="0"/>
-              <a:t>9/3/2020</a:t>
+              <a:t>12/12/2023</a:t>
             </a:fld>
             <a:endParaRPr lang="en-US"/>
           </a:p>
@@ -3911,7 +3911,7 @@
             <a:pPr algn="ctr"/>
             <a:r>
               <a:rPr lang="en-US" dirty="0"/>
-              <a:t>Trigger (ASC Recommendation, ASC Alert, Azure Sentinel)</a:t>
+              <a:t>Trigger (Sentinel Incident, Sentinel Alert, Sentinel Entity, MDC Recommendation, MDC Alert, MDC Compliance)</a:t>
             </a:r>
           </a:p>
         </p:txBody>
@@ -4200,7 +4200,7 @@
             <a:pPr algn="ctr"/>
             <a:r>
               <a:rPr lang="en-US" dirty="0"/>
-              <a:t>Enrich – Get a geolocation, check against Virus Total or URL/IP reputation, Look up other fields of data on entity, is that user in a sales role who travels ?</a:t>
+              <a:t>Enrich – Get a geolocation, check against Virus Total or URL/IP reputation, Look up other fields of data on entity, is that user in a sales role who travels ? Is OOF Turned on ?</a:t>
             </a:r>
           </a:p>
         </p:txBody>
@@ -4904,4 +4904,10 @@
     </a:ext>
   </a:extLst>
 </a:theme>
+</file>
+
+<file path=docMetadata/LabelInfo.xml><?xml version="1.0" encoding="utf-8"?>
+<clbl:labelList xmlns:clbl="http://schemas.microsoft.com/office/2020/mipLabelMetadata">
+  <clbl:label id="{f42aa342-8706-4288-bd11-ebb85995028c}" enabled="1" method="Standard" siteId="{72f988bf-86f1-41af-91ab-2d7cd011db47}" contentBits="0" removed="0"/>
+</clbl:labelList>
 </file>